--- a/presentation.pptx
+++ b/presentation.pptx
@@ -9,7 +9,10 @@
     <p:sldId id="257" r:id="rId3"/>
     <p:sldId id="258" r:id="rId4"/>
     <p:sldId id="259" r:id="rId5"/>
-    <p:sldId id="260" r:id="rId6"/>
+    <p:sldId id="261" r:id="rId6"/>
+    <p:sldId id="262" r:id="rId7"/>
+    <p:sldId id="263" r:id="rId8"/>
+    <p:sldId id="260" r:id="rId9"/>
   </p:sldIdLst>
   <p:sldSz cx="12192000" cy="6858000"/>
   <p:notesSz cx="6858000" cy="9144000"/>
@@ -6140,13 +6143,37 @@
               <a:rPr kumimoji="1" lang="ja-JP" altLang="en-US" dirty="0" smtClean="0">
                 <a:latin typeface="+mj-ea"/>
               </a:rPr>
-              <a:t>居室の情報を教えてくれる</a:t>
+              <a:t>居室の情報を教えて</a:t>
+            </a:r>
+            <a:r>
+              <a:rPr kumimoji="1" lang="ja-JP" altLang="en-US" dirty="0" smtClean="0">
+                <a:latin typeface="+mj-ea"/>
+              </a:rPr>
+              <a:t>くれる</a:t>
             </a:r>
             <a:r>
               <a:rPr kumimoji="1" lang="en-US" altLang="ja-JP" dirty="0" smtClean="0">
                 <a:latin typeface="+mj-ea"/>
               </a:rPr>
-              <a:t>bot(</a:t>
+              <a:t>Twitter</a:t>
+            </a:r>
+            <a:r>
+              <a:rPr kumimoji="1" lang="ja-JP" altLang="en-US" dirty="0" smtClean="0">
+                <a:latin typeface="+mj-ea"/>
+              </a:rPr>
+              <a:t>の</a:t>
+            </a:r>
+            <a:r>
+              <a:rPr kumimoji="1" lang="en-US" altLang="ja-JP" dirty="0" smtClean="0">
+                <a:latin typeface="+mj-ea"/>
+              </a:rPr>
+              <a:t>bot</a:t>
+            </a:r>
+            <a:r>
+              <a:rPr kumimoji="1" lang="en-US" altLang="ja-JP" dirty="0" smtClean="0">
+                <a:latin typeface="+mj-ea"/>
+              </a:rPr>
+              <a:t>(</a:t>
             </a:r>
             <a:r>
               <a:rPr kumimoji="1" lang="ja-JP" altLang="en-US" dirty="0" smtClean="0">
@@ -6229,10 +6256,6 @@
               </a:rPr>
               <a:t>B4</a:t>
             </a:r>
-            <a:endParaRPr lang="en-US" altLang="ja-JP" dirty="0" smtClean="0">
-              <a:latin typeface="+mj-ea"/>
-              <a:ea typeface="+mj-ea"/>
-            </a:endParaRPr>
           </a:p>
           <a:p>
             <a:r>
@@ -6327,11 +6350,7 @@
           <a:p>
             <a:r>
               <a:rPr kumimoji="1" lang="ja-JP" altLang="en-US" sz="2400" dirty="0" smtClean="0"/>
-              <a:t>居室の環境とそこでの生きやすさには深い関係が</a:t>
-            </a:r>
-            <a:r>
-              <a:rPr kumimoji="1" lang="ja-JP" altLang="en-US" sz="2400" dirty="0" smtClean="0"/>
-              <a:t>ある</a:t>
+              <a:t>居室の環境とそこでの生きやすさには深い関係がある</a:t>
             </a:r>
             <a:r>
               <a:rPr lang="en-US" altLang="ja-JP" sz="2400" dirty="0"/>
@@ -6361,7 +6380,15 @@
             </a:br>
             <a:r>
               <a:rPr lang="ja-JP" altLang="en-US" sz="2400" dirty="0" smtClean="0"/>
-              <a:t>・室温が高いと不快</a:t>
+              <a:t>・</a:t>
+            </a:r>
+            <a:r>
+              <a:rPr lang="ja-JP" altLang="en-US" sz="2400" dirty="0" smtClean="0"/>
+              <a:t>室温や湿度が</a:t>
+            </a:r>
+            <a:r>
+              <a:rPr lang="ja-JP" altLang="en-US" sz="2400" dirty="0" smtClean="0"/>
+              <a:t>高いと不快</a:t>
             </a:r>
             <a:r>
               <a:rPr lang="en-US" altLang="ja-JP" sz="2400" dirty="0"/>
@@ -6372,11 +6399,12 @@
             </a:br>
             <a:r>
               <a:rPr lang="ja-JP" altLang="en-US" sz="2400" dirty="0" smtClean="0"/>
-              <a:t>・天気予報を見て，雨が降りそうなときは早く帰りたい</a:t>
-            </a:r>
-            <a:endParaRPr lang="en-US" altLang="ja-JP" sz="2400" dirty="0" smtClean="0"/>
-          </a:p>
-          <a:p>
+              <a:t>・天気予報を見て，雨が降りそうなときは早く</a:t>
+            </a:r>
+            <a:r>
+              <a:rPr lang="ja-JP" altLang="en-US" sz="2400" dirty="0" smtClean="0"/>
+              <a:t>帰りたい</a:t>
+            </a:r>
             <a:endParaRPr lang="en-US" altLang="ja-JP" sz="2400" dirty="0" smtClean="0"/>
           </a:p>
           <a:p>
@@ -6583,22 +6611,67 @@
           </a:p>
         </p:txBody>
       </p:sp>
-      <p:sp>
-        <p:nvSpPr>
-          <p:cNvPr id="3" name="コンテンツ プレースホルダー 2"/>
-          <p:cNvSpPr>
-            <a:spLocks noGrp="1"/>
-          </p:cNvSpPr>
+      <p:pic>
+        <p:nvPicPr>
+          <p:cNvPr id="4" name="コンテンツ プレースホルダー 3"/>
+          <p:cNvPicPr>
+            <a:picLocks noGrp="1" noChangeAspect="1"/>
+          </p:cNvPicPr>
           <p:nvPr>
             <p:ph idx="1"/>
           </p:nvPr>
-        </p:nvSpPr>
-        <p:spPr/>
-        <p:txBody>
-          <a:bodyPr/>
-          <a:lstStyle/>
-          <a:p>
-            <a:endParaRPr kumimoji="1" lang="ja-JP" altLang="en-US"/>
+        </p:nvPicPr>
+        <p:blipFill>
+          <a:blip r:embed="rId2">
+            <a:extLst>
+              <a:ext uri="{28A0092B-C50C-407E-A947-70E740481C1C}">
+                <a14:useLocalDpi xmlns:a14="http://schemas.microsoft.com/office/drawing/2010/main" val="0"/>
+              </a:ext>
+            </a:extLst>
+          </a:blip>
+          <a:stretch>
+            <a:fillRect/>
+          </a:stretch>
+        </p:blipFill>
+        <p:spPr>
+          <a:xfrm>
+            <a:off x="1051179" y="2160588"/>
+            <a:ext cx="7849679" cy="3881437"/>
+          </a:xfrm>
+        </p:spPr>
+      </p:pic>
+      <p:sp>
+        <p:nvSpPr>
+          <p:cNvPr id="5" name="テキスト ボックス 4"/>
+          <p:cNvSpPr txBox="1"/>
+          <p:nvPr/>
+        </p:nvSpPr>
+        <p:spPr>
+          <a:xfrm>
+            <a:off x="2730010" y="1270000"/>
+            <a:ext cx="4491316" cy="461665"/>
+          </a:xfrm>
+          <a:prstGeom prst="rect">
+            <a:avLst/>
+          </a:prstGeom>
+          <a:noFill/>
+        </p:spPr>
+        <p:txBody>
+          <a:bodyPr wrap="square" rtlCol="0">
+            <a:spAutoFit/>
+          </a:bodyPr>
+          <a:lstStyle/>
+          <a:p>
+            <a:pPr algn="ctr"/>
+            <a:r>
+              <a:rPr lang="ja-JP" altLang="en-US" sz="2400" dirty="0"/>
+              <a:t>気温</a:t>
+            </a:r>
+            <a:r>
+              <a:rPr lang="ja-JP" altLang="en-US" sz="2400" dirty="0" smtClean="0"/>
+              <a:t>と湿度を教えてくれる</a:t>
+            </a:r>
+            <a:endParaRPr kumimoji="1" lang="ja-JP" altLang="en-US" sz="2400" dirty="0"/>
           </a:p>
         </p:txBody>
       </p:sp>
@@ -6649,6 +6722,463 @@
           <a:p>
             <a:r>
               <a:rPr kumimoji="1" lang="ja-JP" altLang="en-US" dirty="0" smtClean="0"/>
+              <a:t>実演</a:t>
+            </a:r>
+            <a:endParaRPr kumimoji="1" lang="ja-JP" altLang="en-US" dirty="0"/>
+          </a:p>
+        </p:txBody>
+      </p:sp>
+      <p:pic>
+        <p:nvPicPr>
+          <p:cNvPr id="5" name="コンテンツ プレースホルダー 4"/>
+          <p:cNvPicPr>
+            <a:picLocks noGrp="1" noChangeAspect="1"/>
+          </p:cNvPicPr>
+          <p:nvPr>
+            <p:ph idx="1"/>
+          </p:nvPr>
+        </p:nvPicPr>
+        <p:blipFill>
+          <a:blip r:embed="rId2">
+            <a:extLst>
+              <a:ext uri="{28A0092B-C50C-407E-A947-70E740481C1C}">
+                <a14:useLocalDpi xmlns:a14="http://schemas.microsoft.com/office/drawing/2010/main" val="0"/>
+              </a:ext>
+            </a:extLst>
+          </a:blip>
+          <a:stretch>
+            <a:fillRect/>
+          </a:stretch>
+        </p:blipFill>
+        <p:spPr>
+          <a:xfrm>
+            <a:off x="2155982" y="2160588"/>
+            <a:ext cx="5640074" cy="3881437"/>
+          </a:xfrm>
+        </p:spPr>
+      </p:pic>
+      <p:sp>
+        <p:nvSpPr>
+          <p:cNvPr id="7" name="テキスト ボックス 6"/>
+          <p:cNvSpPr txBox="1"/>
+          <p:nvPr/>
+        </p:nvSpPr>
+        <p:spPr>
+          <a:xfrm>
+            <a:off x="2126444" y="1270000"/>
+            <a:ext cx="5698447" cy="461665"/>
+          </a:xfrm>
+          <a:prstGeom prst="rect">
+            <a:avLst/>
+          </a:prstGeom>
+          <a:noFill/>
+        </p:spPr>
+        <p:txBody>
+          <a:bodyPr wrap="square" rtlCol="0">
+            <a:spAutoFit/>
+          </a:bodyPr>
+          <a:lstStyle/>
+          <a:p>
+            <a:pPr algn="ctr"/>
+            <a:r>
+              <a:rPr lang="ja-JP" altLang="en-US" sz="2400" dirty="0"/>
+              <a:t>リプライ</a:t>
+            </a:r>
+            <a:r>
+              <a:rPr lang="ja-JP" altLang="en-US" sz="2400" dirty="0" smtClean="0"/>
+              <a:t>にも対応・天気を教えてくれる</a:t>
+            </a:r>
+            <a:endParaRPr kumimoji="1" lang="ja-JP" altLang="en-US" sz="2400" dirty="0"/>
+          </a:p>
+        </p:txBody>
+      </p:sp>
+      <p:sp>
+        <p:nvSpPr>
+          <p:cNvPr id="8" name="正方形/長方形 7"/>
+          <p:cNvSpPr/>
+          <p:nvPr/>
+        </p:nvSpPr>
+        <p:spPr>
+          <a:xfrm>
+            <a:off x="2938182" y="2292724"/>
+            <a:ext cx="1452283" cy="147917"/>
+          </a:xfrm>
+          <a:prstGeom prst="rect">
+            <a:avLst/>
+          </a:prstGeom>
+        </p:spPr>
+        <p:style>
+          <a:lnRef idx="2">
+            <a:schemeClr val="dk1">
+              <a:shade val="50000"/>
+            </a:schemeClr>
+          </a:lnRef>
+          <a:fillRef idx="1">
+            <a:schemeClr val="dk1"/>
+          </a:fillRef>
+          <a:effectRef idx="0">
+            <a:schemeClr val="dk1"/>
+          </a:effectRef>
+          <a:fontRef idx="minor">
+            <a:schemeClr val="lt1"/>
+          </a:fontRef>
+        </p:style>
+        <p:txBody>
+          <a:bodyPr rtlCol="0" anchor="ctr"/>
+          <a:lstStyle/>
+          <a:p>
+            <a:pPr algn="ctr"/>
+            <a:endParaRPr kumimoji="1" lang="ja-JP" altLang="en-US"/>
+          </a:p>
+        </p:txBody>
+      </p:sp>
+      <p:sp>
+        <p:nvSpPr>
+          <p:cNvPr id="10" name="正方形/長方形 9"/>
+          <p:cNvSpPr/>
+          <p:nvPr/>
+        </p:nvSpPr>
+        <p:spPr>
+          <a:xfrm>
+            <a:off x="2467536" y="2292724"/>
+            <a:ext cx="470646" cy="463923"/>
+          </a:xfrm>
+          <a:prstGeom prst="rect">
+            <a:avLst/>
+          </a:prstGeom>
+        </p:spPr>
+        <p:style>
+          <a:lnRef idx="2">
+            <a:schemeClr val="dk1">
+              <a:shade val="50000"/>
+            </a:schemeClr>
+          </a:lnRef>
+          <a:fillRef idx="1">
+            <a:schemeClr val="dk1"/>
+          </a:fillRef>
+          <a:effectRef idx="0">
+            <a:schemeClr val="dk1"/>
+          </a:effectRef>
+          <a:fontRef idx="minor">
+            <a:schemeClr val="lt1"/>
+          </a:fontRef>
+        </p:style>
+        <p:txBody>
+          <a:bodyPr rtlCol="0" anchor="ctr"/>
+          <a:lstStyle/>
+          <a:p>
+            <a:pPr algn="ctr"/>
+            <a:endParaRPr kumimoji="1" lang="ja-JP" altLang="en-US"/>
+          </a:p>
+        </p:txBody>
+      </p:sp>
+      <p:sp>
+        <p:nvSpPr>
+          <p:cNvPr id="11" name="正方形/長方形 10"/>
+          <p:cNvSpPr/>
+          <p:nvPr/>
+        </p:nvSpPr>
+        <p:spPr>
+          <a:xfrm>
+            <a:off x="2938181" y="3697940"/>
+            <a:ext cx="625290" cy="154642"/>
+          </a:xfrm>
+          <a:prstGeom prst="rect">
+            <a:avLst/>
+          </a:prstGeom>
+        </p:spPr>
+        <p:style>
+          <a:lnRef idx="2">
+            <a:schemeClr val="dk1">
+              <a:shade val="50000"/>
+            </a:schemeClr>
+          </a:lnRef>
+          <a:fillRef idx="1">
+            <a:schemeClr val="dk1"/>
+          </a:fillRef>
+          <a:effectRef idx="0">
+            <a:schemeClr val="dk1"/>
+          </a:effectRef>
+          <a:fontRef idx="minor">
+            <a:schemeClr val="lt1"/>
+          </a:fontRef>
+        </p:style>
+        <p:txBody>
+          <a:bodyPr rtlCol="0" anchor="ctr"/>
+          <a:lstStyle/>
+          <a:p>
+            <a:pPr algn="ctr"/>
+            <a:endParaRPr kumimoji="1" lang="ja-JP" altLang="en-US"/>
+          </a:p>
+        </p:txBody>
+      </p:sp>
+    </p:spTree>
+    <p:extLst>
+      <p:ext uri="{BB962C8B-B14F-4D97-AF65-F5344CB8AC3E}">
+        <p14:creationId xmlns:p14="http://schemas.microsoft.com/office/powerpoint/2010/main" val="3798822032"/>
+      </p:ext>
+    </p:extLst>
+  </p:cSld>
+  <p:clrMapOvr>
+    <a:masterClrMapping/>
+  </p:clrMapOvr>
+</p:sld>
+</file>
+
+<file path=ppt/slides/slide6.xml><?xml version="1.0" encoding="utf-8"?>
+<p:sld xmlns:a="http://schemas.openxmlformats.org/drawingml/2006/main" xmlns:r="http://schemas.openxmlformats.org/officeDocument/2006/relationships" xmlns:p="http://schemas.openxmlformats.org/presentationml/2006/main">
+  <p:cSld>
+    <p:spTree>
+      <p:nvGrpSpPr>
+        <p:cNvPr id="1" name=""/>
+        <p:cNvGrpSpPr/>
+        <p:nvPr/>
+      </p:nvGrpSpPr>
+      <p:grpSpPr>
+        <a:xfrm>
+          <a:off x="0" y="0"/>
+          <a:ext cx="0" cy="0"/>
+          <a:chOff x="0" y="0"/>
+          <a:chExt cx="0" cy="0"/>
+        </a:xfrm>
+      </p:grpSpPr>
+      <p:sp>
+        <p:nvSpPr>
+          <p:cNvPr id="2" name="タイトル 1"/>
+          <p:cNvSpPr>
+            <a:spLocks noGrp="1"/>
+          </p:cNvSpPr>
+          <p:nvPr>
+            <p:ph type="title"/>
+          </p:nvPr>
+        </p:nvSpPr>
+        <p:spPr/>
+        <p:txBody>
+          <a:bodyPr/>
+          <a:lstStyle/>
+          <a:p>
+            <a:r>
+              <a:rPr kumimoji="1" lang="ja-JP" altLang="en-US" dirty="0" smtClean="0"/>
+              <a:t>実演</a:t>
+            </a:r>
+            <a:endParaRPr kumimoji="1" lang="ja-JP" altLang="en-US" dirty="0"/>
+          </a:p>
+        </p:txBody>
+      </p:sp>
+      <p:pic>
+        <p:nvPicPr>
+          <p:cNvPr id="5" name="コンテンツ プレースホルダー 4"/>
+          <p:cNvPicPr>
+            <a:picLocks noGrp="1" noChangeAspect="1"/>
+          </p:cNvPicPr>
+          <p:nvPr>
+            <p:ph idx="1"/>
+          </p:nvPr>
+        </p:nvPicPr>
+        <p:blipFill>
+          <a:blip r:embed="rId2">
+            <a:extLst>
+              <a:ext uri="{28A0092B-C50C-407E-A947-70E740481C1C}">
+                <a14:useLocalDpi xmlns:a14="http://schemas.microsoft.com/office/drawing/2010/main" val="0"/>
+              </a:ext>
+            </a:extLst>
+          </a:blip>
+          <a:stretch>
+            <a:fillRect/>
+          </a:stretch>
+        </p:blipFill>
+        <p:spPr>
+          <a:xfrm>
+            <a:off x="1505348" y="2160588"/>
+            <a:ext cx="6941342" cy="3881437"/>
+          </a:xfrm>
+        </p:spPr>
+      </p:pic>
+      <p:sp>
+        <p:nvSpPr>
+          <p:cNvPr id="6" name="テキスト ボックス 5"/>
+          <p:cNvSpPr txBox="1"/>
+          <p:nvPr/>
+        </p:nvSpPr>
+        <p:spPr>
+          <a:xfrm>
+            <a:off x="2990418" y="1270000"/>
+            <a:ext cx="3970500" cy="461665"/>
+          </a:xfrm>
+          <a:prstGeom prst="rect">
+            <a:avLst/>
+          </a:prstGeom>
+          <a:noFill/>
+        </p:spPr>
+        <p:txBody>
+          <a:bodyPr wrap="square" rtlCol="0">
+            <a:spAutoFit/>
+          </a:bodyPr>
+          <a:lstStyle/>
+          <a:p>
+            <a:pPr algn="ctr"/>
+            <a:r>
+              <a:rPr lang="ja-JP" altLang="en-US" sz="2400" dirty="0"/>
+              <a:t>居室</a:t>
+            </a:r>
+            <a:r>
+              <a:rPr lang="ja-JP" altLang="en-US" sz="2400" dirty="0" smtClean="0"/>
+              <a:t>の人数を教えてくれる</a:t>
+            </a:r>
+            <a:endParaRPr kumimoji="1" lang="ja-JP" altLang="en-US" sz="2400" dirty="0"/>
+          </a:p>
+        </p:txBody>
+      </p:sp>
+    </p:spTree>
+    <p:extLst>
+      <p:ext uri="{BB962C8B-B14F-4D97-AF65-F5344CB8AC3E}">
+        <p14:creationId xmlns:p14="http://schemas.microsoft.com/office/powerpoint/2010/main" val="2767335925"/>
+      </p:ext>
+    </p:extLst>
+  </p:cSld>
+  <p:clrMapOvr>
+    <a:masterClrMapping/>
+  </p:clrMapOvr>
+</p:sld>
+</file>
+
+<file path=ppt/slides/slide7.xml><?xml version="1.0" encoding="utf-8"?>
+<p:sld xmlns:a="http://schemas.openxmlformats.org/drawingml/2006/main" xmlns:r="http://schemas.openxmlformats.org/officeDocument/2006/relationships" xmlns:p="http://schemas.openxmlformats.org/presentationml/2006/main">
+  <p:cSld>
+    <p:spTree>
+      <p:nvGrpSpPr>
+        <p:cNvPr id="1" name=""/>
+        <p:cNvGrpSpPr/>
+        <p:nvPr/>
+      </p:nvGrpSpPr>
+      <p:grpSpPr>
+        <a:xfrm>
+          <a:off x="0" y="0"/>
+          <a:ext cx="0" cy="0"/>
+          <a:chOff x="0" y="0"/>
+          <a:chExt cx="0" cy="0"/>
+        </a:xfrm>
+      </p:grpSpPr>
+      <p:sp>
+        <p:nvSpPr>
+          <p:cNvPr id="2" name="タイトル 1"/>
+          <p:cNvSpPr>
+            <a:spLocks noGrp="1"/>
+          </p:cNvSpPr>
+          <p:nvPr>
+            <p:ph type="title"/>
+          </p:nvPr>
+        </p:nvSpPr>
+        <p:spPr/>
+        <p:txBody>
+          <a:bodyPr/>
+          <a:lstStyle/>
+          <a:p>
+            <a:r>
+              <a:rPr kumimoji="1" lang="ja-JP" altLang="en-US" dirty="0" smtClean="0"/>
+              <a:t>実演</a:t>
+            </a:r>
+            <a:endParaRPr kumimoji="1" lang="ja-JP" altLang="en-US" dirty="0"/>
+          </a:p>
+        </p:txBody>
+      </p:sp>
+      <p:sp>
+        <p:nvSpPr>
+          <p:cNvPr id="6" name="テキスト ボックス 5"/>
+          <p:cNvSpPr txBox="1"/>
+          <p:nvPr/>
+        </p:nvSpPr>
+        <p:spPr>
+          <a:xfrm>
+            <a:off x="2990418" y="1270000"/>
+            <a:ext cx="3970500" cy="461665"/>
+          </a:xfrm>
+          <a:prstGeom prst="rect">
+            <a:avLst/>
+          </a:prstGeom>
+          <a:noFill/>
+        </p:spPr>
+        <p:txBody>
+          <a:bodyPr wrap="square" rtlCol="0">
+            <a:spAutoFit/>
+          </a:bodyPr>
+          <a:lstStyle/>
+          <a:p>
+            <a:pPr algn="ctr"/>
+            <a:r>
+              <a:rPr lang="ja-JP" altLang="en-US" sz="2400" dirty="0"/>
+              <a:t>動画</a:t>
+            </a:r>
+            <a:endParaRPr kumimoji="1" lang="ja-JP" altLang="en-US" sz="2400" dirty="0"/>
+          </a:p>
+        </p:txBody>
+      </p:sp>
+      <p:sp>
+        <p:nvSpPr>
+          <p:cNvPr id="3" name="コンテンツ プレースホルダー 2"/>
+          <p:cNvSpPr>
+            <a:spLocks noGrp="1"/>
+          </p:cNvSpPr>
+          <p:nvPr>
+            <p:ph idx="1"/>
+          </p:nvPr>
+        </p:nvSpPr>
+        <p:spPr/>
+        <p:txBody>
+          <a:bodyPr/>
+          <a:lstStyle/>
+          <a:p>
+            <a:endParaRPr kumimoji="1" lang="ja-JP" altLang="en-US"/>
+          </a:p>
+        </p:txBody>
+      </p:sp>
+    </p:spTree>
+    <p:extLst>
+      <p:ext uri="{BB962C8B-B14F-4D97-AF65-F5344CB8AC3E}">
+        <p14:creationId xmlns:p14="http://schemas.microsoft.com/office/powerpoint/2010/main" val="2464365862"/>
+      </p:ext>
+    </p:extLst>
+  </p:cSld>
+  <p:clrMapOvr>
+    <a:masterClrMapping/>
+  </p:clrMapOvr>
+</p:sld>
+</file>
+
+<file path=ppt/slides/slide8.xml><?xml version="1.0" encoding="utf-8"?>
+<p:sld xmlns:a="http://schemas.openxmlformats.org/drawingml/2006/main" xmlns:r="http://schemas.openxmlformats.org/officeDocument/2006/relationships" xmlns:p="http://schemas.openxmlformats.org/presentationml/2006/main">
+  <p:cSld>
+    <p:spTree>
+      <p:nvGrpSpPr>
+        <p:cNvPr id="1" name=""/>
+        <p:cNvGrpSpPr/>
+        <p:nvPr/>
+      </p:nvGrpSpPr>
+      <p:grpSpPr>
+        <a:xfrm>
+          <a:off x="0" y="0"/>
+          <a:ext cx="0" cy="0"/>
+          <a:chOff x="0" y="0"/>
+          <a:chExt cx="0" cy="0"/>
+        </a:xfrm>
+      </p:grpSpPr>
+      <p:sp>
+        <p:nvSpPr>
+          <p:cNvPr id="2" name="タイトル 1"/>
+          <p:cNvSpPr>
+            <a:spLocks noGrp="1"/>
+          </p:cNvSpPr>
+          <p:nvPr>
+            <p:ph type="title"/>
+          </p:nvPr>
+        </p:nvSpPr>
+        <p:spPr/>
+        <p:txBody>
+          <a:bodyPr/>
+          <a:lstStyle/>
+          <a:p>
+            <a:r>
+              <a:rPr kumimoji="1" lang="ja-JP" altLang="en-US" dirty="0" smtClean="0"/>
               <a:t>まとめ</a:t>
             </a:r>
             <a:endParaRPr kumimoji="1" lang="ja-JP" altLang="en-US" dirty="0"/>
@@ -6667,10 +7197,89 @@
         </p:nvSpPr>
         <p:spPr/>
         <p:txBody>
-          <a:bodyPr/>
-          <a:lstStyle/>
-          <a:p>
-            <a:endParaRPr kumimoji="1" lang="ja-JP" altLang="en-US"/>
+          <a:bodyPr>
+            <a:normAutofit/>
+          </a:bodyPr>
+          <a:lstStyle/>
+          <a:p>
+            <a:r>
+              <a:rPr kumimoji="1" lang="ja-JP" altLang="en-US" sz="2400" dirty="0" smtClean="0"/>
+              <a:t>居室の室温や湿度，居室にいる人数，天気予報を</a:t>
+            </a:r>
+            <a:r>
+              <a:rPr kumimoji="1" lang="en-US" altLang="ja-JP" sz="2400" dirty="0" smtClean="0"/>
+              <a:t>Twitter</a:t>
+            </a:r>
+            <a:r>
+              <a:rPr kumimoji="1" lang="ja-JP" altLang="en-US" sz="2400" dirty="0" smtClean="0"/>
+              <a:t>の</a:t>
+            </a:r>
+            <a:r>
+              <a:rPr kumimoji="1" lang="en-US" altLang="ja-JP" sz="2400" dirty="0" smtClean="0"/>
+              <a:t>bot</a:t>
+            </a:r>
+            <a:r>
+              <a:rPr kumimoji="1" lang="ja-JP" altLang="en-US" sz="2400" dirty="0" smtClean="0"/>
+              <a:t>が教えてくれるシステム</a:t>
+            </a:r>
+            <a:r>
+              <a:rPr lang="en-US" altLang="ja-JP" sz="2400" dirty="0"/>
+              <a:t/>
+            </a:r>
+            <a:br>
+              <a:rPr lang="en-US" altLang="ja-JP" sz="2400" dirty="0"/>
+            </a:br>
+            <a:r>
+              <a:rPr lang="ja-JP" altLang="en-US" sz="2400" dirty="0" smtClean="0"/>
+              <a:t>⇒</a:t>
+            </a:r>
+            <a:r>
+              <a:rPr lang="ja-JP" altLang="en-US" sz="2400" dirty="0"/>
+              <a:t>離れた場所から</a:t>
+            </a:r>
+            <a:r>
+              <a:rPr lang="ja-JP" altLang="en-US" sz="2400" dirty="0" smtClean="0"/>
+              <a:t>でも</a:t>
+            </a:r>
+            <a:r>
+              <a:rPr lang="ja-JP" altLang="en-US" sz="2400" dirty="0"/>
+              <a:t>居室</a:t>
+            </a:r>
+            <a:r>
+              <a:rPr lang="ja-JP" altLang="en-US" sz="2400" dirty="0" smtClean="0"/>
+              <a:t>の環境を知ることが出来る！居室ライフをより快適に！！！</a:t>
+            </a:r>
+            <a:endParaRPr lang="en-US" altLang="ja-JP" sz="2400" dirty="0"/>
+          </a:p>
+          <a:p>
+            <a:r>
+              <a:rPr lang="ja-JP" altLang="en-US" sz="2400" dirty="0"/>
+              <a:t>今回</a:t>
+            </a:r>
+            <a:r>
+              <a:rPr lang="ja-JP" altLang="en-US" sz="2400" dirty="0" smtClean="0"/>
+              <a:t>は居室でシステムを動かしたが，改良すれば控室などに設置して活用することも可能なはず</a:t>
+            </a:r>
+            <a:endParaRPr lang="en-US" altLang="ja-JP" sz="2400" dirty="0" smtClean="0"/>
+          </a:p>
+          <a:p>
+            <a:r>
+              <a:rPr kumimoji="1" lang="ja-JP" altLang="en-US" sz="2400" dirty="0" smtClean="0"/>
+              <a:t>改善点としては例えば，居室の環境が悪いときに，空調の電源をつけてくれるようにすることが挙げられる．</a:t>
+            </a:r>
+            <a:endParaRPr kumimoji="1" lang="en-US" altLang="ja-JP" sz="2400" dirty="0" smtClean="0"/>
+          </a:p>
+          <a:p>
+            <a:pPr marL="0" indent="0">
+              <a:buNone/>
+            </a:pPr>
+            <a:endParaRPr kumimoji="1" lang="en-US" altLang="ja-JP" sz="2400" dirty="0" smtClean="0"/>
+          </a:p>
+          <a:p>
+            <a:endParaRPr kumimoji="1" lang="en-US" altLang="ja-JP" sz="2400" dirty="0" smtClean="0"/>
+          </a:p>
+          <a:p>
+            <a:endParaRPr kumimoji="1" lang="en-US" altLang="ja-JP" sz="2400" dirty="0" smtClean="0"/>
           </a:p>
         </p:txBody>
       </p:sp>
